--- a/Disused code/Misc/DLM_DFO/Lectures/X Robustness and Ecosystem/LXa Robustness testing and MP selection.pptx
+++ b/Disused code/Misc/DLM_DFO/Lectures/X Robustness and Ecosystem/LXa Robustness testing and MP selection.pptx
@@ -174,6 +174,10 @@
 </p:presentation>
 </file>
 
+<file path=ppt/revisionInfo.xml><?xml version="1.0" encoding="utf-8"?>
+<p1510:revInfo xmlns:a="http://schemas.openxmlformats.org/drawingml/2006/main" xmlns:r="http://schemas.openxmlformats.org/officeDocument/2006/relationships" xmlns:p1510="http://schemas.microsoft.com/office/powerpoint/2015/10/main"/>
+</file>
+
 <file path=ppt/notesMasters/notesMaster1.xml><?xml version="1.0" encoding="utf-8"?>
 <p:notesMaster xmlns:a="http://schemas.openxmlformats.org/drawingml/2006/main" xmlns:r="http://schemas.openxmlformats.org/officeDocument/2006/relationships" xmlns:p="http://schemas.openxmlformats.org/presentationml/2006/main">
   <p:cSld>
@@ -272,7 +276,7 @@
               <a:pPr>
                 <a:defRPr/>
               </a:pPr>
-              <a:t>2017-10-20</a:t>
+              <a:t>2017-10-31</a:t>
             </a:fld>
             <a:endParaRPr lang="en-CA"/>
           </a:p>
@@ -337,35 +341,35 @@
           <a:p>
             <a:pPr lvl="0"/>
             <a:r>
-              <a:rPr lang="en-US" noProof="0" smtClean="0"/>
+              <a:rPr lang="en-US" noProof="0"/>
               <a:t>Click to edit Master text styles</a:t>
             </a:r>
           </a:p>
           <a:p>
             <a:pPr lvl="1"/>
             <a:r>
-              <a:rPr lang="en-US" noProof="0" smtClean="0"/>
+              <a:rPr lang="en-US" noProof="0"/>
               <a:t>Second level</a:t>
             </a:r>
           </a:p>
           <a:p>
             <a:pPr lvl="2"/>
             <a:r>
-              <a:rPr lang="en-US" noProof="0" smtClean="0"/>
+              <a:rPr lang="en-US" noProof="0"/>
               <a:t>Third level</a:t>
             </a:r>
           </a:p>
           <a:p>
             <a:pPr lvl="3"/>
             <a:r>
-              <a:rPr lang="en-US" noProof="0" smtClean="0"/>
+              <a:rPr lang="en-US" noProof="0"/>
               <a:t>Fourth level</a:t>
             </a:r>
           </a:p>
           <a:p>
             <a:pPr lvl="4"/>
             <a:r>
-              <a:rPr lang="en-US" noProof="0" smtClean="0"/>
+              <a:rPr lang="en-US" noProof="0"/>
               <a:t>Fifth level</a:t>
             </a:r>
             <a:endParaRPr lang="en-CA" noProof="0"/>
@@ -657,7 +661,7 @@
           </a:lstStyle>
           <a:p>
             <a:r>
-              <a:rPr lang="en-US" smtClean="0"/>
+              <a:rPr lang="en-US"/>
               <a:t>Click to edit Master title style</a:t>
             </a:r>
             <a:endParaRPr lang="en-US" dirty="0"/>
@@ -753,7 +757,7 @@
           </a:lstStyle>
           <a:p>
             <a:r>
-              <a:rPr lang="en-US" smtClean="0"/>
+              <a:rPr lang="en-US"/>
               <a:t>Click to edit Master subtitle style</a:t>
             </a:r>
             <a:endParaRPr lang="en-US" dirty="0"/>
@@ -787,7 +791,7 @@
               <a:pPr>
                 <a:defRPr/>
               </a:pPr>
-              <a:t>10/20/2017</a:t>
+              <a:t>10/31/2017</a:t>
             </a:fld>
             <a:endParaRPr lang="en-US" dirty="0"/>
           </a:p>
@@ -966,7 +970,7 @@
           </a:lstStyle>
           <a:p>
             <a:r>
-              <a:rPr lang="en-US" smtClean="0"/>
+              <a:rPr lang="en-US"/>
               <a:t>Click to edit Master title style</a:t>
             </a:r>
             <a:endParaRPr lang="en-US" dirty="0"/>
@@ -1034,7 +1038,7 @@
           <a:p>
             <a:pPr lvl="0"/>
             <a:r>
-              <a:rPr lang="en-US" noProof="0" smtClean="0"/>
+              <a:rPr lang="en-US" noProof="0"/>
               <a:t>Click icon to add picture</a:t>
             </a:r>
             <a:endParaRPr lang="en-US" noProof="0" dirty="0"/>
@@ -1124,7 +1128,7 @@
           <a:p>
             <a:pPr lvl="0"/>
             <a:r>
-              <a:rPr lang="en-US" smtClean="0"/>
+              <a:rPr lang="en-US"/>
               <a:t>Click to edit Master text styles</a:t>
             </a:r>
           </a:p>
@@ -1157,7 +1161,7 @@
               <a:pPr>
                 <a:defRPr/>
               </a:pPr>
-              <a:t>10/20/2017</a:t>
+              <a:t>10/31/2017</a:t>
             </a:fld>
             <a:endParaRPr lang="en-US" dirty="0"/>
           </a:p>
@@ -1336,7 +1340,7 @@
           </a:lstStyle>
           <a:p>
             <a:r>
-              <a:rPr lang="en-US" smtClean="0"/>
+              <a:rPr lang="en-US"/>
               <a:t>Click to edit Master title style</a:t>
             </a:r>
             <a:endParaRPr lang="en-US" dirty="0"/>
@@ -1402,7 +1406,7 @@
           <a:p>
             <a:pPr lvl="0"/>
             <a:r>
-              <a:rPr lang="en-US" smtClean="0"/>
+              <a:rPr lang="en-US"/>
               <a:t>Click to edit Master text styles</a:t>
             </a:r>
           </a:p>
@@ -1435,7 +1439,7 @@
               <a:pPr>
                 <a:defRPr/>
               </a:pPr>
-              <a:t>10/20/2017</a:t>
+              <a:t>10/31/2017</a:t>
             </a:fld>
             <a:endParaRPr lang="en-US" dirty="0"/>
           </a:p>
@@ -1856,7 +1860,7 @@
           </a:lstStyle>
           <a:p>
             <a:r>
-              <a:rPr lang="en-US" smtClean="0"/>
+              <a:rPr lang="en-US"/>
               <a:t>Click to edit Master title style</a:t>
             </a:r>
             <a:endParaRPr lang="en-US" dirty="0"/>
@@ -1924,7 +1928,7 @@
           <a:p>
             <a:pPr lvl="0"/>
             <a:r>
-              <a:rPr lang="en-US" smtClean="0"/>
+              <a:rPr lang="en-US"/>
               <a:t>Click to edit Master text styles</a:t>
             </a:r>
           </a:p>
@@ -1991,7 +1995,7 @@
           <a:p>
             <a:pPr lvl="0"/>
             <a:r>
-              <a:rPr lang="en-US" smtClean="0"/>
+              <a:rPr lang="en-US"/>
               <a:t>Click to edit Master text styles</a:t>
             </a:r>
           </a:p>
@@ -2024,7 +2028,7 @@
               <a:pPr>
                 <a:defRPr/>
               </a:pPr>
-              <a:t>10/20/2017</a:t>
+              <a:t>10/31/2017</a:t>
             </a:fld>
             <a:endParaRPr lang="en-US" dirty="0"/>
           </a:p>
@@ -2205,7 +2209,7 @@
           </a:lstStyle>
           <a:p>
             <a:r>
-              <a:rPr lang="en-US" smtClean="0"/>
+              <a:rPr lang="en-US"/>
               <a:t>Click to edit Master title style</a:t>
             </a:r>
             <a:endParaRPr lang="en-US" dirty="0"/>
@@ -2271,7 +2275,7 @@
           <a:p>
             <a:pPr lvl="0"/>
             <a:r>
-              <a:rPr lang="en-US" smtClean="0"/>
+              <a:rPr lang="en-US"/>
               <a:t>Click to edit Master text styles</a:t>
             </a:r>
           </a:p>
@@ -2304,7 +2308,7 @@
               <a:pPr>
                 <a:defRPr/>
               </a:pPr>
-              <a:t>10/20/2017</a:t>
+              <a:t>10/31/2017</a:t>
             </a:fld>
             <a:endParaRPr lang="en-US" dirty="0"/>
           </a:p>
@@ -2479,7 +2483,7 @@
           <a:lstStyle/>
           <a:p>
             <a:r>
-              <a:rPr lang="en-US" smtClean="0"/>
+              <a:rPr lang="en-US"/>
               <a:t>Click to edit Master title style</a:t>
             </a:r>
             <a:endParaRPr lang="en-US" dirty="0"/>
@@ -2574,7 +2578,7 @@
           <a:p>
             <a:pPr lvl="0"/>
             <a:r>
-              <a:rPr lang="en-US" smtClean="0"/>
+              <a:rPr lang="en-US"/>
               <a:t>Click to edit Master text styles</a:t>
             </a:r>
           </a:p>
@@ -2641,7 +2645,7 @@
           <a:p>
             <a:pPr lvl="0"/>
             <a:r>
-              <a:rPr lang="en-US" smtClean="0"/>
+              <a:rPr lang="en-US"/>
               <a:t>Click to edit Master text styles</a:t>
             </a:r>
           </a:p>
@@ -2703,7 +2707,7 @@
           <a:p>
             <a:pPr lvl="0"/>
             <a:r>
-              <a:rPr lang="en-US" smtClean="0"/>
+              <a:rPr lang="en-US"/>
               <a:t>Click to edit Master text styles</a:t>
             </a:r>
           </a:p>
@@ -2770,7 +2774,7 @@
           <a:p>
             <a:pPr lvl="0"/>
             <a:r>
-              <a:rPr lang="en-US" smtClean="0"/>
+              <a:rPr lang="en-US"/>
               <a:t>Click to edit Master text styles</a:t>
             </a:r>
           </a:p>
@@ -2832,7 +2836,7 @@
           <a:p>
             <a:pPr lvl="0"/>
             <a:r>
-              <a:rPr lang="en-US" smtClean="0"/>
+              <a:rPr lang="en-US"/>
               <a:t>Click to edit Master text styles</a:t>
             </a:r>
           </a:p>
@@ -2899,7 +2903,7 @@
           <a:p>
             <a:pPr lvl="0"/>
             <a:r>
-              <a:rPr lang="en-US" smtClean="0"/>
+              <a:rPr lang="en-US"/>
               <a:t>Click to edit Master text styles</a:t>
             </a:r>
           </a:p>
@@ -2932,7 +2936,7 @@
               <a:pPr>
                 <a:defRPr/>
               </a:pPr>
-              <a:t>10/20/2017</a:t>
+              <a:t>10/31/2017</a:t>
             </a:fld>
             <a:endParaRPr lang="en-US" dirty="0"/>
           </a:p>
@@ -3107,7 +3111,7 @@
           <a:lstStyle/>
           <a:p>
             <a:r>
-              <a:rPr lang="en-US" smtClean="0"/>
+              <a:rPr lang="en-US"/>
               <a:t>Click to edit Master title style</a:t>
             </a:r>
             <a:endParaRPr lang="en-US" dirty="0"/>
@@ -3198,7 +3202,7 @@
           <a:p>
             <a:pPr lvl="0"/>
             <a:r>
-              <a:rPr lang="en-US" smtClean="0"/>
+              <a:rPr lang="en-US"/>
               <a:t>Click to edit Master text styles</a:t>
             </a:r>
           </a:p>
@@ -3277,7 +3281,7 @@
           <a:p>
             <a:pPr lvl="0"/>
             <a:r>
-              <a:rPr lang="en-US" noProof="0" smtClean="0"/>
+              <a:rPr lang="en-US" noProof="0"/>
               <a:t>Click icon to add picture</a:t>
             </a:r>
             <a:endParaRPr lang="en-US" noProof="0" dirty="0"/>
@@ -3345,7 +3349,7 @@
           <a:p>
             <a:pPr lvl="0"/>
             <a:r>
-              <a:rPr lang="en-US" smtClean="0"/>
+              <a:rPr lang="en-US"/>
               <a:t>Click to edit Master text styles</a:t>
             </a:r>
           </a:p>
@@ -3435,7 +3439,7 @@
           <a:p>
             <a:pPr lvl="0"/>
             <a:r>
-              <a:rPr lang="en-US" smtClean="0"/>
+              <a:rPr lang="en-US"/>
               <a:t>Click to edit Master text styles</a:t>
             </a:r>
           </a:p>
@@ -3514,7 +3518,7 @@
           <a:p>
             <a:pPr lvl="0"/>
             <a:r>
-              <a:rPr lang="en-US" noProof="0" smtClean="0"/>
+              <a:rPr lang="en-US" noProof="0"/>
               <a:t>Click icon to add picture</a:t>
             </a:r>
             <a:endParaRPr lang="en-US" noProof="0" dirty="0"/>
@@ -3582,7 +3586,7 @@
           <a:p>
             <a:pPr lvl="0"/>
             <a:r>
-              <a:rPr lang="en-US" smtClean="0"/>
+              <a:rPr lang="en-US"/>
               <a:t>Click to edit Master text styles</a:t>
             </a:r>
           </a:p>
@@ -3672,7 +3676,7 @@
           <a:p>
             <a:pPr lvl="0"/>
             <a:r>
-              <a:rPr lang="en-US" smtClean="0"/>
+              <a:rPr lang="en-US"/>
               <a:t>Click to edit Master text styles</a:t>
             </a:r>
           </a:p>
@@ -3751,7 +3755,7 @@
           <a:p>
             <a:pPr lvl="0"/>
             <a:r>
-              <a:rPr lang="en-US" noProof="0" smtClean="0"/>
+              <a:rPr lang="en-US" noProof="0"/>
               <a:t>Click icon to add picture</a:t>
             </a:r>
             <a:endParaRPr lang="en-US" noProof="0" dirty="0"/>
@@ -3819,7 +3823,7 @@
           <a:p>
             <a:pPr lvl="0"/>
             <a:r>
-              <a:rPr lang="en-US" smtClean="0"/>
+              <a:rPr lang="en-US"/>
               <a:t>Click to edit Master text styles</a:t>
             </a:r>
           </a:p>
@@ -3852,7 +3856,7 @@
               <a:pPr>
                 <a:defRPr/>
               </a:pPr>
-              <a:t>10/20/2017</a:t>
+              <a:t>10/31/2017</a:t>
             </a:fld>
             <a:endParaRPr lang="en-US" dirty="0"/>
           </a:p>
@@ -4022,7 +4026,7 @@
           <a:lstStyle/>
           <a:p>
             <a:r>
-              <a:rPr lang="en-US" smtClean="0"/>
+              <a:rPr lang="en-US"/>
               <a:t>Click to edit Master title style</a:t>
             </a:r>
             <a:endParaRPr lang="en-US" dirty="0"/>
@@ -4046,35 +4050,35 @@
           <a:p>
             <a:pPr lvl="0"/>
             <a:r>
-              <a:rPr lang="en-US" smtClean="0"/>
+              <a:rPr lang="en-US"/>
               <a:t>Click to edit Master text styles</a:t>
             </a:r>
           </a:p>
           <a:p>
             <a:pPr lvl="1"/>
             <a:r>
-              <a:rPr lang="en-US" smtClean="0"/>
+              <a:rPr lang="en-US"/>
               <a:t>Second level</a:t>
             </a:r>
           </a:p>
           <a:p>
             <a:pPr lvl="2"/>
             <a:r>
-              <a:rPr lang="en-US" smtClean="0"/>
+              <a:rPr lang="en-US"/>
               <a:t>Third level</a:t>
             </a:r>
           </a:p>
           <a:p>
             <a:pPr lvl="3"/>
             <a:r>
-              <a:rPr lang="en-US" smtClean="0"/>
+              <a:rPr lang="en-US"/>
               <a:t>Fourth level</a:t>
             </a:r>
           </a:p>
           <a:p>
             <a:pPr lvl="4"/>
             <a:r>
-              <a:rPr lang="en-US" smtClean="0"/>
+              <a:rPr lang="en-US"/>
               <a:t>Fifth level</a:t>
             </a:r>
             <a:endParaRPr lang="en-US" dirty="0"/>
@@ -4108,7 +4112,7 @@
               <a:pPr>
                 <a:defRPr/>
               </a:pPr>
-              <a:t>10/20/2017</a:t>
+              <a:t>10/31/2017</a:t>
             </a:fld>
             <a:endParaRPr lang="en-US" dirty="0"/>
           </a:p>
@@ -4283,7 +4287,7 @@
           <a:lstStyle/>
           <a:p>
             <a:r>
-              <a:rPr lang="en-US" smtClean="0"/>
+              <a:rPr lang="en-US"/>
               <a:t>Click to edit Master title style</a:t>
             </a:r>
             <a:endParaRPr lang="en-US" dirty="0"/>
@@ -4312,35 +4316,35 @@
           <a:p>
             <a:pPr lvl="0"/>
             <a:r>
-              <a:rPr lang="en-US" smtClean="0"/>
+              <a:rPr lang="en-US"/>
               <a:t>Click to edit Master text styles</a:t>
             </a:r>
           </a:p>
           <a:p>
             <a:pPr lvl="1"/>
             <a:r>
-              <a:rPr lang="en-US" smtClean="0"/>
+              <a:rPr lang="en-US"/>
               <a:t>Second level</a:t>
             </a:r>
           </a:p>
           <a:p>
             <a:pPr lvl="2"/>
             <a:r>
-              <a:rPr lang="en-US" smtClean="0"/>
+              <a:rPr lang="en-US"/>
               <a:t>Third level</a:t>
             </a:r>
           </a:p>
           <a:p>
             <a:pPr lvl="3"/>
             <a:r>
-              <a:rPr lang="en-US" smtClean="0"/>
+              <a:rPr lang="en-US"/>
               <a:t>Fourth level</a:t>
             </a:r>
           </a:p>
           <a:p>
             <a:pPr lvl="4"/>
             <a:r>
-              <a:rPr lang="en-US" smtClean="0"/>
+              <a:rPr lang="en-US"/>
               <a:t>Fifth level</a:t>
             </a:r>
             <a:endParaRPr lang="en-US" dirty="0"/>
@@ -4374,7 +4378,7 @@
               <a:pPr>
                 <a:defRPr/>
               </a:pPr>
-              <a:t>10/20/2017</a:t>
+              <a:t>10/31/2017</a:t>
             </a:fld>
             <a:endParaRPr lang="en-US" dirty="0"/>
           </a:p>
@@ -4544,10 +4548,9 @@
           </a:lstStyle>
           <a:p>
             <a:r>
-              <a:rPr lang="en-US" dirty="0" smtClean="0"/>
+              <a:rPr lang="en-US" dirty="0"/>
               <a:t>Click to edit Master title style</a:t>
             </a:r>
-            <a:endParaRPr lang="en-US" dirty="0"/>
           </a:p>
         </p:txBody>
       </p:sp>
@@ -4575,38 +4578,37 @@
           <a:p>
             <a:pPr lvl="0"/>
             <a:r>
-              <a:rPr lang="en-US" dirty="0" smtClean="0"/>
+              <a:rPr lang="en-US" dirty="0"/>
               <a:t>Click to edit Master text styles</a:t>
             </a:r>
           </a:p>
           <a:p>
             <a:pPr lvl="1"/>
             <a:r>
-              <a:rPr lang="en-US" dirty="0" smtClean="0"/>
+              <a:rPr lang="en-US" dirty="0"/>
               <a:t>Second level</a:t>
             </a:r>
           </a:p>
           <a:p>
             <a:pPr lvl="2"/>
             <a:r>
-              <a:rPr lang="en-US" dirty="0" smtClean="0"/>
+              <a:rPr lang="en-US" dirty="0"/>
               <a:t>Third level</a:t>
             </a:r>
           </a:p>
           <a:p>
             <a:pPr lvl="3"/>
             <a:r>
-              <a:rPr lang="en-US" dirty="0" smtClean="0"/>
+              <a:rPr lang="en-US" dirty="0"/>
               <a:t>Fourth level</a:t>
             </a:r>
           </a:p>
           <a:p>
             <a:pPr lvl="4"/>
             <a:r>
-              <a:rPr lang="en-US" dirty="0" smtClean="0"/>
+              <a:rPr lang="en-US" dirty="0"/>
               <a:t>Fifth level</a:t>
             </a:r>
-            <a:endParaRPr lang="en-US" dirty="0"/>
           </a:p>
         </p:txBody>
       </p:sp>
@@ -4637,7 +4639,7 @@
               <a:pPr>
                 <a:defRPr/>
               </a:pPr>
-              <a:t>10/20/2017</a:t>
+              <a:t>10/31/2017</a:t>
             </a:fld>
             <a:endParaRPr lang="en-US" dirty="0"/>
           </a:p>
@@ -4786,7 +4788,7 @@
           </a:lstStyle>
           <a:p>
             <a:r>
-              <a:rPr lang="en-US" smtClean="0"/>
+              <a:rPr lang="en-US"/>
               <a:t>Click to edit Master title style</a:t>
             </a:r>
             <a:endParaRPr lang="en-US" dirty="0"/>
@@ -4882,7 +4884,7 @@
           </a:lstStyle>
           <a:p>
             <a:r>
-              <a:rPr lang="en-US" smtClean="0"/>
+              <a:rPr lang="en-US"/>
               <a:t>Click to edit Master subtitle style</a:t>
             </a:r>
             <a:endParaRPr lang="en-US" dirty="0"/>
@@ -4916,7 +4918,7 @@
               <a:pPr>
                 <a:defRPr/>
               </a:pPr>
-              <a:t>10/20/2017</a:t>
+              <a:t>10/31/2017</a:t>
             </a:fld>
             <a:endParaRPr lang="en-US" dirty="0"/>
           </a:p>
@@ -5022,7 +5024,7 @@
           <a:lstStyle/>
           <a:p>
             <a:r>
-              <a:rPr lang="en-US" smtClean="0"/>
+              <a:rPr lang="en-US"/>
               <a:t>Click to edit Master title style</a:t>
             </a:r>
             <a:endParaRPr lang="en-US" dirty="0"/>
@@ -5051,35 +5053,35 @@
           <a:p>
             <a:pPr lvl="0"/>
             <a:r>
-              <a:rPr lang="en-US" smtClean="0"/>
+              <a:rPr lang="en-US"/>
               <a:t>Click to edit Master text styles</a:t>
             </a:r>
           </a:p>
           <a:p>
             <a:pPr lvl="1"/>
             <a:r>
-              <a:rPr lang="en-US" smtClean="0"/>
+              <a:rPr lang="en-US"/>
               <a:t>Second level</a:t>
             </a:r>
           </a:p>
           <a:p>
             <a:pPr lvl="2"/>
             <a:r>
-              <a:rPr lang="en-US" smtClean="0"/>
+              <a:rPr lang="en-US"/>
               <a:t>Third level</a:t>
             </a:r>
           </a:p>
           <a:p>
             <a:pPr lvl="3"/>
             <a:r>
-              <a:rPr lang="en-US" smtClean="0"/>
+              <a:rPr lang="en-US"/>
               <a:t>Fourth level</a:t>
             </a:r>
           </a:p>
           <a:p>
             <a:pPr lvl="4"/>
             <a:r>
-              <a:rPr lang="en-US" smtClean="0"/>
+              <a:rPr lang="en-US"/>
               <a:t>Fifth level</a:t>
             </a:r>
             <a:endParaRPr lang="en-US" dirty="0"/>
@@ -5108,35 +5110,35 @@
           <a:p>
             <a:pPr lvl="0"/>
             <a:r>
-              <a:rPr lang="en-US" smtClean="0"/>
+              <a:rPr lang="en-US"/>
               <a:t>Click to edit Master text styles</a:t>
             </a:r>
           </a:p>
           <a:p>
             <a:pPr lvl="1"/>
             <a:r>
-              <a:rPr lang="en-US" smtClean="0"/>
+              <a:rPr lang="en-US"/>
               <a:t>Second level</a:t>
             </a:r>
           </a:p>
           <a:p>
             <a:pPr lvl="2"/>
             <a:r>
-              <a:rPr lang="en-US" smtClean="0"/>
+              <a:rPr lang="en-US"/>
               <a:t>Third level</a:t>
             </a:r>
           </a:p>
           <a:p>
             <a:pPr lvl="3"/>
             <a:r>
-              <a:rPr lang="en-US" smtClean="0"/>
+              <a:rPr lang="en-US"/>
               <a:t>Fourth level</a:t>
             </a:r>
           </a:p>
           <a:p>
             <a:pPr lvl="4"/>
             <a:r>
-              <a:rPr lang="en-US" smtClean="0"/>
+              <a:rPr lang="en-US"/>
               <a:t>Fifth level</a:t>
             </a:r>
             <a:endParaRPr lang="en-US" dirty="0"/>
@@ -5170,7 +5172,7 @@
               <a:pPr>
                 <a:defRPr/>
               </a:pPr>
-              <a:t>10/20/2017</a:t>
+              <a:t>10/31/2017</a:t>
             </a:fld>
             <a:endParaRPr lang="en-US" dirty="0"/>
           </a:p>
@@ -5281,7 +5283,7 @@
           <a:lstStyle/>
           <a:p>
             <a:r>
-              <a:rPr lang="en-US" smtClean="0"/>
+              <a:rPr lang="en-US"/>
               <a:t>Click to edit Master title style</a:t>
             </a:r>
             <a:endParaRPr lang="en-US" dirty="0"/>
@@ -5376,7 +5378,7 @@
           <a:p>
             <a:pPr lvl="0"/>
             <a:r>
-              <a:rPr lang="en-US" smtClean="0"/>
+              <a:rPr lang="en-US"/>
               <a:t>Click to edit Master text styles</a:t>
             </a:r>
           </a:p>
@@ -5404,35 +5406,35 @@
           <a:p>
             <a:pPr lvl="0"/>
             <a:r>
-              <a:rPr lang="en-US" smtClean="0"/>
+              <a:rPr lang="en-US"/>
               <a:t>Click to edit Master text styles</a:t>
             </a:r>
           </a:p>
           <a:p>
             <a:pPr lvl="1"/>
             <a:r>
-              <a:rPr lang="en-US" smtClean="0"/>
+              <a:rPr lang="en-US"/>
               <a:t>Second level</a:t>
             </a:r>
           </a:p>
           <a:p>
             <a:pPr lvl="2"/>
             <a:r>
-              <a:rPr lang="en-US" smtClean="0"/>
+              <a:rPr lang="en-US"/>
               <a:t>Third level</a:t>
             </a:r>
           </a:p>
           <a:p>
             <a:pPr lvl="3"/>
             <a:r>
-              <a:rPr lang="en-US" smtClean="0"/>
+              <a:rPr lang="en-US"/>
               <a:t>Fourth level</a:t>
             </a:r>
           </a:p>
           <a:p>
             <a:pPr lvl="4"/>
             <a:r>
-              <a:rPr lang="en-US" smtClean="0"/>
+              <a:rPr lang="en-US"/>
               <a:t>Fifth level</a:t>
             </a:r>
             <a:endParaRPr lang="en-US" dirty="0"/>
@@ -5495,7 +5497,7 @@
           <a:p>
             <a:pPr lvl="0"/>
             <a:r>
-              <a:rPr lang="en-US" smtClean="0"/>
+              <a:rPr lang="en-US"/>
               <a:t>Click to edit Master text styles</a:t>
             </a:r>
           </a:p>
@@ -5523,35 +5525,35 @@
           <a:p>
             <a:pPr lvl="0"/>
             <a:r>
-              <a:rPr lang="en-US" smtClean="0"/>
+              <a:rPr lang="en-US"/>
               <a:t>Click to edit Master text styles</a:t>
             </a:r>
           </a:p>
           <a:p>
             <a:pPr lvl="1"/>
             <a:r>
-              <a:rPr lang="en-US" smtClean="0"/>
+              <a:rPr lang="en-US"/>
               <a:t>Second level</a:t>
             </a:r>
           </a:p>
           <a:p>
             <a:pPr lvl="2"/>
             <a:r>
-              <a:rPr lang="en-US" smtClean="0"/>
+              <a:rPr lang="en-US"/>
               <a:t>Third level</a:t>
             </a:r>
           </a:p>
           <a:p>
             <a:pPr lvl="3"/>
             <a:r>
-              <a:rPr lang="en-US" smtClean="0"/>
+              <a:rPr lang="en-US"/>
               <a:t>Fourth level</a:t>
             </a:r>
           </a:p>
           <a:p>
             <a:pPr lvl="4"/>
             <a:r>
-              <a:rPr lang="en-US" smtClean="0"/>
+              <a:rPr lang="en-US"/>
               <a:t>Fifth level</a:t>
             </a:r>
             <a:endParaRPr lang="en-US" dirty="0"/>
@@ -5585,7 +5587,7 @@
               <a:pPr>
                 <a:defRPr/>
               </a:pPr>
-              <a:t>10/20/2017</a:t>
+              <a:t>10/31/2017</a:t>
             </a:fld>
             <a:endParaRPr lang="en-US" dirty="0"/>
           </a:p>
@@ -5691,7 +5693,7 @@
           <a:lstStyle/>
           <a:p>
             <a:r>
-              <a:rPr lang="en-US" smtClean="0"/>
+              <a:rPr lang="en-US"/>
               <a:t>Click to edit Master title style</a:t>
             </a:r>
             <a:endParaRPr lang="en-US" dirty="0"/>
@@ -5725,7 +5727,7 @@
               <a:pPr>
                 <a:defRPr/>
               </a:pPr>
-              <a:t>10/20/2017</a:t>
+              <a:t>10/31/2017</a:t>
             </a:fld>
             <a:endParaRPr lang="en-US" dirty="0"/>
           </a:p>
@@ -5842,7 +5844,7 @@
               <a:pPr>
                 <a:defRPr/>
               </a:pPr>
-              <a:t>10/20/2017</a:t>
+              <a:t>10/31/2017</a:t>
             </a:fld>
             <a:endParaRPr lang="en-US" dirty="0"/>
           </a:p>
@@ -5957,7 +5959,7 @@
           </a:lstStyle>
           <a:p>
             <a:r>
-              <a:rPr lang="en-US" smtClean="0"/>
+              <a:rPr lang="en-US"/>
               <a:t>Click to edit Master title style</a:t>
             </a:r>
             <a:endParaRPr lang="en-US" dirty="0"/>
@@ -5986,35 +5988,35 @@
           <a:p>
             <a:pPr lvl="0"/>
             <a:r>
-              <a:rPr lang="en-US" smtClean="0"/>
+              <a:rPr lang="en-US"/>
               <a:t>Click to edit Master text styles</a:t>
             </a:r>
           </a:p>
           <a:p>
             <a:pPr lvl="1"/>
             <a:r>
-              <a:rPr lang="en-US" smtClean="0"/>
+              <a:rPr lang="en-US"/>
               <a:t>Second level</a:t>
             </a:r>
           </a:p>
           <a:p>
             <a:pPr lvl="2"/>
             <a:r>
-              <a:rPr lang="en-US" smtClean="0"/>
+              <a:rPr lang="en-US"/>
               <a:t>Third level</a:t>
             </a:r>
           </a:p>
           <a:p>
             <a:pPr lvl="3"/>
             <a:r>
-              <a:rPr lang="en-US" smtClean="0"/>
+              <a:rPr lang="en-US"/>
               <a:t>Fourth level</a:t>
             </a:r>
           </a:p>
           <a:p>
             <a:pPr lvl="4"/>
             <a:r>
-              <a:rPr lang="en-US" smtClean="0"/>
+              <a:rPr lang="en-US"/>
               <a:t>Fifth level</a:t>
             </a:r>
             <a:endParaRPr lang="en-US" dirty="0"/>
@@ -6106,7 +6108,7 @@
           <a:p>
             <a:pPr lvl="0"/>
             <a:r>
-              <a:rPr lang="en-US" smtClean="0"/>
+              <a:rPr lang="en-US"/>
               <a:t>Click to edit Master text styles</a:t>
             </a:r>
           </a:p>
@@ -6139,7 +6141,7 @@
               <a:pPr>
                 <a:defRPr/>
               </a:pPr>
-              <a:t>10/20/2017</a:t>
+              <a:t>10/31/2017</a:t>
             </a:fld>
             <a:endParaRPr lang="en-US" dirty="0"/>
           </a:p>
@@ -6254,7 +6256,7 @@
           </a:lstStyle>
           <a:p>
             <a:r>
-              <a:rPr lang="en-US" smtClean="0"/>
+              <a:rPr lang="en-US"/>
               <a:t>Click to edit Master title style</a:t>
             </a:r>
             <a:endParaRPr lang="en-US" dirty="0"/>
@@ -6322,7 +6324,7 @@
           <a:p>
             <a:pPr lvl="0"/>
             <a:r>
-              <a:rPr lang="en-US" noProof="0" smtClean="0"/>
+              <a:rPr lang="en-US" noProof="0"/>
               <a:t>Click icon to add picture</a:t>
             </a:r>
             <a:endParaRPr lang="en-US" noProof="0" dirty="0"/>
@@ -6414,7 +6416,7 @@
           <a:p>
             <a:pPr lvl="0"/>
             <a:r>
-              <a:rPr lang="en-US" smtClean="0"/>
+              <a:rPr lang="en-US"/>
               <a:t>Click to edit Master text styles</a:t>
             </a:r>
           </a:p>
@@ -6447,7 +6449,7 @@
               <a:pPr>
                 <a:defRPr/>
               </a:pPr>
-              <a:t>10/20/2017</a:t>
+              <a:t>10/31/2017</a:t>
             </a:fld>
             <a:endParaRPr lang="en-US" dirty="0"/>
           </a:p>
@@ -6597,7 +6599,7 @@
           <a:p>
             <a:pPr lvl="0"/>
             <a:r>
-              <a:rPr lang="en-US" altLang="en-US" smtClean="0"/>
+              <a:rPr lang="en-US" altLang="en-US"/>
               <a:t>Click to edit Master title style</a:t>
             </a:r>
           </a:p>
@@ -6655,35 +6657,35 @@
           <a:p>
             <a:pPr lvl="0"/>
             <a:r>
-              <a:rPr lang="en-US" altLang="en-US" smtClean="0"/>
+              <a:rPr lang="en-US" altLang="en-US"/>
               <a:t>Click to edit Master text styles</a:t>
             </a:r>
           </a:p>
           <a:p>
             <a:pPr lvl="1"/>
             <a:r>
-              <a:rPr lang="en-US" altLang="en-US" smtClean="0"/>
+              <a:rPr lang="en-US" altLang="en-US"/>
               <a:t>Second level</a:t>
             </a:r>
           </a:p>
           <a:p>
             <a:pPr lvl="2"/>
             <a:r>
-              <a:rPr lang="en-US" altLang="en-US" smtClean="0"/>
+              <a:rPr lang="en-US" altLang="en-US"/>
               <a:t>Third level</a:t>
             </a:r>
           </a:p>
           <a:p>
             <a:pPr lvl="3"/>
             <a:r>
-              <a:rPr lang="en-US" altLang="en-US" smtClean="0"/>
+              <a:rPr lang="en-US" altLang="en-US"/>
               <a:t>Fourth level</a:t>
             </a:r>
           </a:p>
           <a:p>
             <a:pPr lvl="4"/>
             <a:r>
-              <a:rPr lang="en-US" altLang="en-US" smtClean="0"/>
+              <a:rPr lang="en-US" altLang="en-US"/>
               <a:t>Fifth level</a:t>
             </a:r>
           </a:p>
@@ -6756,7 +6758,7 @@
               <a:pPr>
                 <a:defRPr/>
               </a:pPr>
-              <a:t>10/20/2017</a:t>
+              <a:t>10/31/2017</a:t>
             </a:fld>
             <a:endParaRPr lang="en-US" dirty="0"/>
           </a:p>
@@ -7375,12 +7377,20 @@
               <a:defRPr/>
             </a:pPr>
             <a:r>
+              <a:rPr lang="en-US" sz="3600">
+                <a:solidFill>
+                  <a:srgbClr val="27AFE5"/>
+                </a:solidFill>
+              </a:rPr>
+              <a:t>Data-Limited Methods </a:t>
+            </a:r>
+            <a:r>
               <a:rPr lang="en-US" sz="3600" dirty="0">
                 <a:solidFill>
                   <a:srgbClr val="27AFE5"/>
                 </a:solidFill>
               </a:rPr>
-              <a:t>Data-Limited Fisheries Toolkit </a:t>
+              <a:t>Toolkit </a:t>
             </a:r>
           </a:p>
         </p:txBody>
@@ -7922,18 +7932,13 @@
               <a:buNone/>
             </a:pPr>
             <a:r>
-              <a:rPr lang="en-US" altLang="en-US" dirty="0" smtClean="0">
+              <a:rPr lang="en-US" altLang="en-US" dirty="0">
                 <a:solidFill>
                   <a:schemeClr val="bg1"/>
                 </a:solidFill>
               </a:rPr>
               <a:t>Robustness testing and MP selection</a:t>
             </a:r>
-            <a:endParaRPr lang="en-US" altLang="en-US" dirty="0">
-              <a:solidFill>
-                <a:schemeClr val="bg1"/>
-              </a:solidFill>
-            </a:endParaRPr>
           </a:p>
         </p:txBody>
       </p:sp>
@@ -8159,39 +8164,15 @@
                   <a:schemeClr val="bg1"/>
                 </a:solidFill>
               </a:rPr>
-              <a:t>X</a:t>
-            </a:r>
-            <a:r>
-              <a:rPr lang="en-US" altLang="en-US" sz="1800" dirty="0" err="1" smtClean="0">
+              <a:t>Xa</a:t>
+            </a:r>
+            <a:r>
+              <a:rPr lang="en-US" altLang="en-US" sz="1800" dirty="0">
                 <a:solidFill>
                   <a:schemeClr val="bg1"/>
                 </a:solidFill>
               </a:rPr>
-              <a:t>a</a:t>
-            </a:r>
-            <a:r>
-              <a:rPr lang="en-US" altLang="en-US" sz="1800" dirty="0" smtClean="0">
-                <a:solidFill>
-                  <a:schemeClr val="bg1"/>
-                </a:solidFill>
-              </a:rPr>
-              <a:t>,  </a:t>
-            </a:r>
-            <a:r>
-              <a:rPr lang="en-US" altLang="en-US" sz="1800" dirty="0" smtClean="0">
-                <a:solidFill>
-                  <a:schemeClr val="bg1"/>
-                </a:solidFill>
-              </a:rPr>
-              <a:t>Dec </a:t>
-            </a:r>
-            <a:r>
-              <a:rPr lang="en-US" altLang="en-US" sz="1800" dirty="0">
-                <a:solidFill>
-                  <a:schemeClr val="bg1"/>
-                </a:solidFill>
-              </a:rPr>
-              <a:t>2017</a:t>
+              <a:t>,  Dec 2017</a:t>
             </a:r>
           </a:p>
         </p:txBody>
@@ -8452,7 +8433,7 @@
           <p:cNvPr id="4" name="Picture 3">
             <a:extLst>
               <a:ext uri="{FF2B5EF4-FFF2-40B4-BE49-F238E27FC236}">
-                <a16:creationId xmlns="" xmlns:a16="http://schemas.microsoft.com/office/drawing/2014/main" id="{C65DC03F-AEEF-4777-8132-3DBBB17CD723}"/>
+                <a16:creationId xmlns:a16="http://schemas.microsoft.com/office/drawing/2014/main" id="{C65DC03F-AEEF-4777-8132-3DBBB17CD723}"/>
               </a:ext>
             </a:extLst>
           </p:cNvPr>
@@ -8487,13 +8468,6 @@
   <p:clrMapOvr>
     <a:masterClrMapping/>
   </p:clrMapOvr>
-  <p:timing>
-    <p:tnLst>
-      <p:par>
-        <p:cTn id="1" dur="indefinite" restart="never" nodeType="tmRoot"/>
-      </p:par>
-    </p:tnLst>
-  </p:timing>
 </p:sld>
 </file>
 
@@ -8535,10 +8509,9 @@
           <a:lstStyle/>
           <a:p>
             <a:r>
-              <a:rPr lang="en-CA" dirty="0" smtClean="0"/>
+              <a:rPr lang="en-CA" dirty="0"/>
               <a:t>Fishing efficiency</a:t>
             </a:r>
-            <a:endParaRPr lang="en-CA" dirty="0"/>
           </a:p>
         </p:txBody>
       </p:sp>
@@ -8569,7 +8542,7 @@
               <a:buNone/>
             </a:pPr>
             <a:r>
-              <a:rPr lang="en-CA" dirty="0" smtClean="0"/>
+              <a:rPr lang="en-CA" dirty="0"/>
               <a:t>A central difference between input and output controls is the assumption that fishing effort can be predictably related to fishing mortality rate.</a:t>
             </a:r>
           </a:p>
@@ -8581,7 +8554,7 @@
               <a:buNone/>
             </a:pPr>
             <a:r>
-              <a:rPr lang="en-CA" dirty="0" smtClean="0"/>
+              <a:rPr lang="en-CA" dirty="0"/>
               <a:t>In other words that roughly the same fraction of the stock harvested per unit of effort.</a:t>
             </a:r>
           </a:p>
@@ -8593,10 +8566,9 @@
               <a:buNone/>
             </a:pPr>
             <a:r>
-              <a:rPr lang="en-CA" dirty="0" smtClean="0"/>
+              <a:rPr lang="en-CA" dirty="0"/>
               <a:t>If this isn’t true then a discrepancy could emerge between input  and output control MPs…</a:t>
             </a:r>
-            <a:endParaRPr lang="en-CA" dirty="0"/>
           </a:p>
         </p:txBody>
       </p:sp>
@@ -8610,13 +8582,6 @@
   <p:clrMapOvr>
     <a:masterClrMapping/>
   </p:clrMapOvr>
-  <p:timing>
-    <p:tnLst>
-      <p:par>
-        <p:cTn id="1" dur="indefinite" restart="never" nodeType="tmRoot"/>
-      </p:par>
-    </p:tnLst>
-  </p:timing>
 </p:sld>
 </file>
 
@@ -8658,10 +8623,9 @@
           <a:lstStyle/>
           <a:p>
             <a:r>
-              <a:rPr lang="en-CA" dirty="0" smtClean="0"/>
+              <a:rPr lang="en-CA" dirty="0"/>
               <a:t>Effect of fishing efficiency increases</a:t>
             </a:r>
-            <a:endParaRPr lang="en-CA" dirty="0"/>
           </a:p>
         </p:txBody>
       </p:sp>
@@ -8692,10 +8656,9 @@
               <a:buNone/>
             </a:pPr>
             <a:r>
-              <a:rPr lang="en-CA" dirty="0" smtClean="0"/>
+              <a:rPr lang="en-CA" dirty="0"/>
               <a:t>Generic Albacore OM:  0.0% pa efficiency gains</a:t>
             </a:r>
-            <a:endParaRPr lang="en-CA" dirty="0"/>
           </a:p>
         </p:txBody>
       </p:sp>
@@ -8763,13 +8726,6 @@
   <p:clrMapOvr>
     <a:masterClrMapping/>
   </p:clrMapOvr>
-  <p:timing>
-    <p:tnLst>
-      <p:par>
-        <p:cTn id="1" dur="indefinite" restart="never" nodeType="tmRoot"/>
-      </p:par>
-    </p:tnLst>
-  </p:timing>
 </p:sld>
 </file>
 
@@ -8811,10 +8767,9 @@
           <a:lstStyle/>
           <a:p>
             <a:r>
-              <a:rPr lang="en-CA" dirty="0" smtClean="0"/>
+              <a:rPr lang="en-CA" dirty="0"/>
               <a:t>Effect of fishing efficiency increases</a:t>
             </a:r>
-            <a:endParaRPr lang="en-CA" dirty="0"/>
           </a:p>
         </p:txBody>
       </p:sp>
@@ -8845,10 +8800,9 @@
               <a:buNone/>
             </a:pPr>
             <a:r>
-              <a:rPr lang="en-CA" dirty="0" smtClean="0"/>
+              <a:rPr lang="en-CA" dirty="0"/>
               <a:t>Generic Albacore OM:  0.5% pa efficiency gains</a:t>
             </a:r>
-            <a:endParaRPr lang="en-CA" dirty="0"/>
           </a:p>
         </p:txBody>
       </p:sp>
@@ -8916,13 +8870,6 @@
   <p:clrMapOvr>
     <a:masterClrMapping/>
   </p:clrMapOvr>
-  <p:timing>
-    <p:tnLst>
-      <p:par>
-        <p:cTn id="1" dur="indefinite" restart="never" nodeType="tmRoot"/>
-      </p:par>
-    </p:tnLst>
-  </p:timing>
 </p:sld>
 </file>
 
@@ -8964,10 +8911,9 @@
           <a:lstStyle/>
           <a:p>
             <a:r>
-              <a:rPr lang="en-CA" dirty="0" smtClean="0"/>
+              <a:rPr lang="en-CA" dirty="0"/>
               <a:t>Effect of fishing efficiency increases</a:t>
             </a:r>
-            <a:endParaRPr lang="en-CA" dirty="0"/>
           </a:p>
         </p:txBody>
       </p:sp>
@@ -8998,10 +8944,9 @@
               <a:buNone/>
             </a:pPr>
             <a:r>
-              <a:rPr lang="en-CA" dirty="0" smtClean="0"/>
+              <a:rPr lang="en-CA" dirty="0"/>
               <a:t>Generic Albacore OM:  1.0% pa efficiency gains</a:t>
             </a:r>
-            <a:endParaRPr lang="en-CA" dirty="0"/>
           </a:p>
         </p:txBody>
       </p:sp>
@@ -9069,13 +9014,6 @@
   <p:clrMapOvr>
     <a:masterClrMapping/>
   </p:clrMapOvr>
-  <p:timing>
-    <p:tnLst>
-      <p:par>
-        <p:cTn id="1" dur="indefinite" restart="never" nodeType="tmRoot"/>
-      </p:par>
-    </p:tnLst>
-  </p:timing>
 </p:sld>
 </file>
 
@@ -9117,10 +9055,9 @@
           <a:lstStyle/>
           <a:p>
             <a:r>
-              <a:rPr lang="en-CA" dirty="0" smtClean="0"/>
+              <a:rPr lang="en-CA" dirty="0"/>
               <a:t>Effect of fishing efficiency increases</a:t>
             </a:r>
-            <a:endParaRPr lang="en-CA" dirty="0"/>
           </a:p>
         </p:txBody>
       </p:sp>
@@ -9151,10 +9088,9 @@
               <a:buNone/>
             </a:pPr>
             <a:r>
-              <a:rPr lang="en-CA" dirty="0" smtClean="0"/>
+              <a:rPr lang="en-CA" dirty="0"/>
               <a:t>Generic Albacore OM:  1.5% pa efficiency gains</a:t>
             </a:r>
-            <a:endParaRPr lang="en-CA" dirty="0"/>
           </a:p>
         </p:txBody>
       </p:sp>
@@ -9222,13 +9158,6 @@
   <p:clrMapOvr>
     <a:masterClrMapping/>
   </p:clrMapOvr>
-  <p:timing>
-    <p:tnLst>
-      <p:par>
-        <p:cTn id="1" dur="indefinite" restart="never" nodeType="tmRoot"/>
-      </p:par>
-    </p:tnLst>
-  </p:timing>
 </p:sld>
 </file>
 
@@ -9270,10 +9199,9 @@
           <a:lstStyle/>
           <a:p>
             <a:r>
-              <a:rPr lang="en-CA" dirty="0" smtClean="0"/>
+              <a:rPr lang="en-CA" dirty="0"/>
               <a:t>Effect of fishing efficiency increases</a:t>
             </a:r>
-            <a:endParaRPr lang="en-CA" dirty="0"/>
           </a:p>
         </p:txBody>
       </p:sp>
@@ -9304,10 +9232,9 @@
               <a:buNone/>
             </a:pPr>
             <a:r>
-              <a:rPr lang="en-CA" dirty="0" smtClean="0"/>
+              <a:rPr lang="en-CA" dirty="0"/>
               <a:t>Generic Albacore OM:  2.0% pa efficiency gains</a:t>
             </a:r>
-            <a:endParaRPr lang="en-CA" dirty="0"/>
           </a:p>
         </p:txBody>
       </p:sp>
@@ -9375,13 +9302,6 @@
   <p:clrMapOvr>
     <a:masterClrMapping/>
   </p:clrMapOvr>
-  <p:timing>
-    <p:tnLst>
-      <p:par>
-        <p:cTn id="1" dur="indefinite" restart="never" nodeType="tmRoot"/>
-      </p:par>
-    </p:tnLst>
-  </p:timing>
 </p:sld>
 </file>
 
@@ -9423,10 +9343,9 @@
           <a:lstStyle/>
           <a:p>
             <a:r>
-              <a:rPr lang="en-CA" dirty="0" smtClean="0"/>
+              <a:rPr lang="en-CA" dirty="0"/>
               <a:t>Effect of fishing efficiency increases</a:t>
             </a:r>
-            <a:endParaRPr lang="en-CA" dirty="0"/>
           </a:p>
         </p:txBody>
       </p:sp>
@@ -9457,10 +9376,9 @@
               <a:buNone/>
             </a:pPr>
             <a:r>
-              <a:rPr lang="en-CA" dirty="0" smtClean="0"/>
+              <a:rPr lang="en-CA" dirty="0"/>
               <a:t>Generic Albacore OM:  2.5% pa efficiency gains</a:t>
             </a:r>
-            <a:endParaRPr lang="en-CA" dirty="0"/>
           </a:p>
         </p:txBody>
       </p:sp>
@@ -9528,13 +9446,6 @@
   <p:clrMapOvr>
     <a:masterClrMapping/>
   </p:clrMapOvr>
-  <p:timing>
-    <p:tnLst>
-      <p:par>
-        <p:cTn id="1" dur="indefinite" restart="never" nodeType="tmRoot"/>
-      </p:par>
-    </p:tnLst>
-  </p:timing>
 </p:sld>
 </file>
 
@@ -9576,10 +9487,9 @@
           <a:lstStyle/>
           <a:p>
             <a:r>
-              <a:rPr lang="en-CA" dirty="0" smtClean="0"/>
+              <a:rPr lang="en-CA" dirty="0"/>
               <a:t>Effect of fishing efficiency increases</a:t>
             </a:r>
-            <a:endParaRPr lang="en-CA" dirty="0"/>
           </a:p>
         </p:txBody>
       </p:sp>
@@ -9610,10 +9520,9 @@
               <a:buNone/>
             </a:pPr>
             <a:r>
-              <a:rPr lang="en-CA" dirty="0" smtClean="0"/>
+              <a:rPr lang="en-CA" dirty="0"/>
               <a:t>Generic Albacore OM:  3.0% pa efficiency gains</a:t>
             </a:r>
-            <a:endParaRPr lang="en-CA" dirty="0"/>
           </a:p>
         </p:txBody>
       </p:sp>
@@ -9681,13 +9590,6 @@
   <p:clrMapOvr>
     <a:masterClrMapping/>
   </p:clrMapOvr>
-  <p:timing>
-    <p:tnLst>
-      <p:par>
-        <p:cTn id="1" dur="indefinite" restart="never" nodeType="tmRoot"/>
-      </p:par>
-    </p:tnLst>
-  </p:timing>
 </p:sld>
 </file>
 
@@ -9729,10 +9631,9 @@
           <a:lstStyle/>
           <a:p>
             <a:r>
-              <a:rPr lang="en-CA" dirty="0" smtClean="0"/>
+              <a:rPr lang="en-CA" dirty="0"/>
               <a:t>20% overages in TACs and TAEs</a:t>
             </a:r>
-            <a:endParaRPr lang="en-CA" dirty="0"/>
           </a:p>
         </p:txBody>
       </p:sp>
@@ -9817,10 +9718,9 @@
               <a:buNone/>
             </a:pPr>
             <a:r>
-              <a:rPr lang="en-CA" dirty="0" smtClean="0"/>
+              <a:rPr lang="en-CA" dirty="0"/>
               <a:t>20% overage in TAE                                20% overage in TAC</a:t>
             </a:r>
-            <a:endParaRPr lang="en-CA" dirty="0"/>
           </a:p>
         </p:txBody>
       </p:sp>
@@ -9888,13 +9788,6 @@
   <p:clrMapOvr>
     <a:masterClrMapping/>
   </p:clrMapOvr>
-  <p:timing>
-    <p:tnLst>
-      <p:par>
-        <p:cTn id="1" dur="indefinite" restart="never" nodeType="tmRoot"/>
-      </p:par>
-    </p:tnLst>
-  </p:timing>
 </p:sld>
 </file>
 
@@ -9936,10 +9829,9 @@
           <a:lstStyle/>
           <a:p>
             <a:r>
-              <a:rPr lang="en-CA" dirty="0" smtClean="0"/>
+              <a:rPr lang="en-CA" dirty="0"/>
               <a:t>Handy commands</a:t>
             </a:r>
-            <a:endParaRPr lang="en-CA" dirty="0"/>
           </a:p>
         </p:txBody>
       </p:sp>
@@ -9967,11 +9859,11 @@
               <a:buNone/>
             </a:pPr>
             <a:r>
-              <a:rPr lang="en-CA" sz="2600" dirty="0" smtClean="0"/>
+              <a:rPr lang="en-CA" sz="2600" dirty="0"/>
               <a:t>Subset an MSE </a:t>
             </a:r>
             <a:r>
-              <a:rPr lang="en-CA" sz="2600" b="1" dirty="0" smtClean="0">
+              <a:rPr lang="en-CA" sz="2600" b="1" dirty="0">
                 <a:solidFill>
                   <a:srgbClr val="00B050"/>
                 </a:solidFill>
@@ -9979,7 +9871,7 @@
               <a:t>	Sub(</a:t>
             </a:r>
             <a:r>
-              <a:rPr lang="en-CA" sz="2600" b="1" dirty="0" err="1" smtClean="0">
+              <a:rPr lang="en-CA" sz="2600" b="1" dirty="0" err="1">
                 <a:solidFill>
                   <a:srgbClr val="00B050"/>
                 </a:solidFill>
@@ -9987,7 +9879,7 @@
               <a:t>myMSE</a:t>
             </a:r>
             <a:r>
-              <a:rPr lang="en-CA" sz="2600" b="1" dirty="0" smtClean="0">
+              <a:rPr lang="en-CA" sz="2600" b="1" dirty="0">
                 <a:solidFill>
                   <a:srgbClr val="00B050"/>
                 </a:solidFill>
@@ -10007,13 +9899,6 @@
   <p:clrMapOvr>
     <a:masterClrMapping/>
   </p:clrMapOvr>
-  <p:timing>
-    <p:tnLst>
-      <p:par>
-        <p:cTn id="1" dur="indefinite" restart="never" nodeType="tmRoot"/>
-      </p:par>
-    </p:tnLst>
-  </p:timing>
 </p:sld>
 </file>
 
@@ -10056,7 +9941,7 @@
           <a:p>
             <a:pPr eaLnBrk="1" hangingPunct="1"/>
             <a:r>
-              <a:rPr lang="en-CA" altLang="en-US" dirty="0" smtClean="0">
+              <a:rPr lang="en-CA" altLang="en-US" dirty="0">
                 <a:solidFill>
                   <a:schemeClr val="bg1"/>
                 </a:solidFill>
@@ -10094,7 +9979,7 @@
               <a:buAutoNum type="arabicPeriod"/>
             </a:pPr>
             <a:r>
-              <a:rPr lang="en-CA" altLang="en-US" sz="2800" dirty="0" smtClean="0">
+              <a:rPr lang="en-CA" altLang="en-US" sz="2800" dirty="0">
                 <a:solidFill>
                   <a:srgbClr val="27AFE5"/>
                 </a:solidFill>
@@ -10111,7 +9996,7 @@
               <a:buAutoNum type="arabicPeriod"/>
             </a:pPr>
             <a:r>
-              <a:rPr lang="en-CA" altLang="en-US" sz="2800" dirty="0" smtClean="0">
+              <a:rPr lang="en-CA" altLang="en-US" sz="2800" dirty="0">
                 <a:solidFill>
                   <a:srgbClr val="27AFE5"/>
                 </a:solidFill>
@@ -10128,7 +10013,7 @@
               <a:buAutoNum type="arabicPeriod"/>
             </a:pPr>
             <a:r>
-              <a:rPr lang="en-CA" altLang="en-US" sz="2800" dirty="0" smtClean="0">
+              <a:rPr lang="en-CA" altLang="en-US" sz="2800" dirty="0">
                 <a:solidFill>
                   <a:srgbClr val="27AFE5"/>
                 </a:solidFill>
@@ -10145,7 +10030,7 @@
               <a:buAutoNum type="arabicPeriod"/>
             </a:pPr>
             <a:r>
-              <a:rPr lang="en-CA" altLang="en-US" sz="2800" dirty="0" smtClean="0">
+              <a:rPr lang="en-CA" altLang="en-US" sz="2800" dirty="0">
                 <a:solidFill>
                   <a:srgbClr val="27AFE5"/>
                 </a:solidFill>
@@ -10162,7 +10047,7 @@
               <a:buAutoNum type="arabicPeriod"/>
             </a:pPr>
             <a:r>
-              <a:rPr lang="en-CA" altLang="en-US" sz="2800" dirty="0" smtClean="0">
+              <a:rPr lang="en-CA" altLang="en-US" sz="2800" dirty="0">
                 <a:solidFill>
                   <a:srgbClr val="27AFE5"/>
                 </a:solidFill>
@@ -10177,13 +10062,6 @@
   <p:clrMapOvr>
     <a:masterClrMapping/>
   </p:clrMapOvr>
-  <p:timing>
-    <p:tnLst>
-      <p:par>
-        <p:cTn id="1" dur="indefinite" restart="never" nodeType="tmRoot"/>
-      </p:par>
-    </p:tnLst>
-  </p:timing>
 </p:sld>
 </file>
 
@@ -10257,7 +10135,7 @@
               <a:buNone/>
             </a:pPr>
             <a:r>
-              <a:rPr lang="en-CA" dirty="0" smtClean="0"/>
+              <a:rPr lang="en-CA" dirty="0"/>
               <a:t>Reference set</a:t>
             </a:r>
           </a:p>
@@ -10267,7 +10145,7 @@
               <a:buChar char="-"/>
             </a:pPr>
             <a:r>
-              <a:rPr lang="en-CA" dirty="0" smtClean="0"/>
+              <a:rPr lang="en-CA" dirty="0"/>
               <a:t> Plausible</a:t>
             </a:r>
           </a:p>
@@ -10277,7 +10155,7 @@
               <a:buChar char="-"/>
             </a:pPr>
             <a:r>
-              <a:rPr lang="en-CA" dirty="0" smtClean="0"/>
+              <a:rPr lang="en-CA" dirty="0"/>
               <a:t> Estimated by assessment</a:t>
             </a:r>
           </a:p>
@@ -10290,7 +10168,7 @@
               <a:buChar char="-"/>
             </a:pPr>
             <a:r>
-              <a:rPr lang="en-CA" dirty="0" smtClean="0"/>
+              <a:rPr lang="en-CA" dirty="0"/>
               <a:t> Seen as the ‘first cut’ in MP selection</a:t>
             </a:r>
           </a:p>
@@ -10299,7 +10177,7 @@
               <a:buNone/>
             </a:pPr>
             <a:r>
-              <a:rPr lang="en-CA" dirty="0" smtClean="0"/>
+              <a:rPr lang="en-CA" dirty="0"/>
               <a:t>Robustness set</a:t>
             </a:r>
           </a:p>
@@ -10309,7 +10187,7 @@
               <a:buChar char="-"/>
             </a:pPr>
             <a:r>
-              <a:rPr lang="en-CA" dirty="0" smtClean="0"/>
+              <a:rPr lang="en-CA" dirty="0"/>
               <a:t> Less certain</a:t>
             </a:r>
           </a:p>
@@ -10319,7 +10197,7 @@
               <a:buChar char="-"/>
             </a:pPr>
             <a:r>
-              <a:rPr lang="en-CA" dirty="0" smtClean="0"/>
+              <a:rPr lang="en-CA" dirty="0"/>
               <a:t> Speculative</a:t>
             </a:r>
           </a:p>
@@ -10329,16 +10207,15 @@
               <a:buChar char="-"/>
             </a:pPr>
             <a:r>
-              <a:rPr lang="en-CA" dirty="0" smtClean="0"/>
+              <a:rPr lang="en-CA" dirty="0"/>
               <a:t> For ‘thinning the herd’ in MP selection</a:t>
             </a:r>
+          </a:p>
+          <a:p>
+            <a:pPr marL="0" indent="0">
+              <a:buNone/>
+            </a:pPr>
             <a:endParaRPr lang="en-CA" dirty="0"/>
-          </a:p>
-          <a:p>
-            <a:pPr marL="0" indent="0">
-              <a:buNone/>
-            </a:pPr>
-            <a:endParaRPr lang="en-CA" dirty="0" smtClean="0"/>
           </a:p>
           <a:p>
             <a:pPr marL="0" indent="0">
@@ -10371,18 +10248,13 @@
           <a:lstStyle/>
           <a:p>
             <a:r>
-              <a:rPr lang="en-CA" b="1" dirty="0" smtClean="0">
+              <a:rPr lang="en-CA" b="1" dirty="0">
                 <a:solidFill>
                   <a:schemeClr val="bg1"/>
                 </a:solidFill>
               </a:rPr>
               <a:t>Punt et al. 2014. MSE Best  practices. </a:t>
             </a:r>
-            <a:endParaRPr lang="en-CA" b="1" dirty="0">
-              <a:solidFill>
-                <a:schemeClr val="bg1"/>
-              </a:solidFill>
-            </a:endParaRPr>
           </a:p>
         </p:txBody>
       </p:sp>
@@ -10396,13 +10268,6 @@
   <p:clrMapOvr>
     <a:masterClrMapping/>
   </p:clrMapOvr>
-  <p:timing>
-    <p:tnLst>
-      <p:par>
-        <p:cTn id="1" dur="indefinite" restart="never" nodeType="tmRoot"/>
-      </p:par>
-    </p:tnLst>
-  </p:timing>
 </p:sld>
 </file>
 
@@ -10493,10 +10358,9 @@
           <a:lstStyle/>
           <a:p>
             <a:r>
-              <a:rPr lang="en-CA" dirty="0" smtClean="0"/>
+              <a:rPr lang="en-CA" dirty="0"/>
               <a:t>An example using the red snapper OM</a:t>
             </a:r>
-            <a:endParaRPr lang="en-CA" dirty="0"/>
           </a:p>
         </p:txBody>
       </p:sp>
@@ -10669,18 +10533,13 @@
           <a:lstStyle/>
           <a:p>
             <a:r>
-              <a:rPr lang="en-CA" sz="2400" b="1" dirty="0" smtClean="0">
+              <a:rPr lang="en-CA" sz="2400" b="1" dirty="0">
                 <a:solidFill>
                   <a:srgbClr val="F6BB00"/>
                 </a:solidFill>
               </a:rPr>
               <a:t>LTY &gt; 70    AND  P50  &gt; 80</a:t>
             </a:r>
-            <a:endParaRPr lang="en-CA" sz="2400" b="1" dirty="0">
-              <a:solidFill>
-                <a:srgbClr val="F6BB00"/>
-              </a:solidFill>
-            </a:endParaRPr>
           </a:p>
         </p:txBody>
       </p:sp>
@@ -10694,13 +10553,6 @@
   <p:clrMapOvr>
     <a:masterClrMapping/>
   </p:clrMapOvr>
-  <p:timing>
-    <p:tnLst>
-      <p:par>
-        <p:cTn id="1" dur="indefinite" restart="never" nodeType="tmRoot"/>
-      </p:par>
-    </p:tnLst>
-  </p:timing>
 </p:sld>
 </file>
 
@@ -10737,10 +10589,9 @@
           <a:lstStyle/>
           <a:p>
             <a:r>
-              <a:rPr lang="en-CA" dirty="0" smtClean="0"/>
+              <a:rPr lang="en-CA" dirty="0"/>
               <a:t>Joint satisficing using Sub() function </a:t>
             </a:r>
-            <a:endParaRPr lang="en-CA" dirty="0"/>
           </a:p>
         </p:txBody>
       </p:sp>
@@ -10821,18 +10672,13 @@
           <a:lstStyle/>
           <a:p>
             <a:r>
-              <a:rPr lang="en-CA" b="1" dirty="0" smtClean="0">
+              <a:rPr lang="en-CA" b="1" dirty="0">
                 <a:solidFill>
                   <a:srgbClr val="F6BB00"/>
                 </a:solidFill>
               </a:rPr>
               <a:t>Record NOAA performance table</a:t>
             </a:r>
-            <a:endParaRPr lang="en-CA" b="1" dirty="0">
-              <a:solidFill>
-                <a:srgbClr val="F6BB00"/>
-              </a:solidFill>
-            </a:endParaRPr>
           </a:p>
         </p:txBody>
       </p:sp>
@@ -10938,18 +10784,13 @@
           <a:lstStyle/>
           <a:p>
             <a:r>
-              <a:rPr lang="en-CA" b="1" dirty="0" smtClean="0">
+              <a:rPr lang="en-CA" b="1" dirty="0">
                 <a:solidFill>
                   <a:srgbClr val="F6BB00"/>
                 </a:solidFill>
               </a:rPr>
               <a:t>Take a look at the top of the table</a:t>
             </a:r>
-            <a:endParaRPr lang="en-CA" b="1" dirty="0">
-              <a:solidFill>
-                <a:srgbClr val="F6BB00"/>
-              </a:solidFill>
-            </a:endParaRPr>
           </a:p>
         </p:txBody>
       </p:sp>
@@ -10976,18 +10817,13 @@
           <a:lstStyle/>
           <a:p>
             <a:r>
-              <a:rPr lang="en-CA" b="1" dirty="0" smtClean="0">
+              <a:rPr lang="en-CA" b="1" dirty="0">
                 <a:solidFill>
                   <a:srgbClr val="F6BB00"/>
                 </a:solidFill>
               </a:rPr>
               <a:t>Create satisficing condition</a:t>
             </a:r>
-            <a:endParaRPr lang="en-CA" b="1" dirty="0">
-              <a:solidFill>
-                <a:srgbClr val="F6BB00"/>
-              </a:solidFill>
-            </a:endParaRPr>
           </a:p>
         </p:txBody>
       </p:sp>
@@ -11055,18 +10891,13 @@
           <a:p>
             <a:pPr algn="ctr"/>
             <a:r>
-              <a:rPr lang="en-CA" b="1" dirty="0" smtClean="0">
+              <a:rPr lang="en-CA" b="1" dirty="0">
                 <a:solidFill>
                   <a:srgbClr val="F6BB00"/>
                 </a:solidFill>
               </a:rPr>
               <a:t>&lt; Keep MP? &gt; </a:t>
             </a:r>
-            <a:endParaRPr lang="en-CA" b="1" dirty="0">
-              <a:solidFill>
-                <a:srgbClr val="F6BB00"/>
-              </a:solidFill>
-            </a:endParaRPr>
           </a:p>
         </p:txBody>
       </p:sp>
@@ -11093,18 +10924,13 @@
           <a:lstStyle/>
           <a:p>
             <a:r>
-              <a:rPr lang="en-CA" b="1" dirty="0" smtClean="0">
+              <a:rPr lang="en-CA" b="1" dirty="0">
                 <a:solidFill>
                   <a:srgbClr val="F6BB00"/>
                 </a:solidFill>
               </a:rPr>
               <a:t>Number of MPs that made the cut</a:t>
             </a:r>
-            <a:endParaRPr lang="en-CA" b="1" dirty="0">
-              <a:solidFill>
-                <a:srgbClr val="F6BB00"/>
-              </a:solidFill>
-            </a:endParaRPr>
           </a:p>
         </p:txBody>
       </p:sp>
@@ -11167,18 +10993,13 @@
           <a:lstStyle/>
           <a:p>
             <a:r>
-              <a:rPr lang="en-CA" b="1" dirty="0" smtClean="0">
+              <a:rPr lang="en-CA" b="1" dirty="0">
                 <a:solidFill>
                   <a:srgbClr val="F6BB00"/>
                 </a:solidFill>
               </a:rPr>
               <a:t>Use Sub() function to subset MSE</a:t>
             </a:r>
-            <a:endParaRPr lang="en-CA" b="1" dirty="0">
-              <a:solidFill>
-                <a:srgbClr val="F6BB00"/>
-              </a:solidFill>
-            </a:endParaRPr>
           </a:p>
         </p:txBody>
       </p:sp>
@@ -11241,18 +11062,13 @@
           <a:lstStyle/>
           <a:p>
             <a:r>
-              <a:rPr lang="en-CA" b="1" dirty="0" smtClean="0">
+              <a:rPr lang="en-CA" b="1" dirty="0">
                 <a:solidFill>
                   <a:srgbClr val="F6BB00"/>
                 </a:solidFill>
               </a:rPr>
               <a:t>Re-plot the satisficed MPs</a:t>
             </a:r>
-            <a:endParaRPr lang="en-CA" b="1" dirty="0">
-              <a:solidFill>
-                <a:srgbClr val="F6BB00"/>
-              </a:solidFill>
-            </a:endParaRPr>
           </a:p>
         </p:txBody>
       </p:sp>
@@ -11961,10 +11777,9 @@
           <a:lstStyle/>
           <a:p>
             <a:r>
-              <a:rPr lang="en-CA" dirty="0" smtClean="0"/>
+              <a:rPr lang="en-CA" dirty="0"/>
               <a:t>Satisficed MPs</a:t>
             </a:r>
-            <a:endParaRPr lang="en-CA" dirty="0"/>
           </a:p>
         </p:txBody>
       </p:sp>
@@ -12032,13 +11847,6 @@
   <p:clrMapOvr>
     <a:masterClrMapping/>
   </p:clrMapOvr>
-  <p:timing>
-    <p:tnLst>
-      <p:par>
-        <p:cTn id="1" dur="indefinite" restart="never" nodeType="tmRoot"/>
-      </p:par>
-    </p:tnLst>
-  </p:timing>
 </p:sld>
 </file>
 
@@ -12080,10 +11888,9 @@
           <a:lstStyle/>
           <a:p>
             <a:r>
-              <a:rPr lang="en-CA" dirty="0" smtClean="0"/>
+              <a:rPr lang="en-CA" dirty="0"/>
               <a:t>Robustness conditions</a:t>
             </a:r>
-            <a:endParaRPr lang="en-CA" dirty="0"/>
           </a:p>
         </p:txBody>
       </p:sp>
@@ -12114,15 +11921,15 @@
               <a:buNone/>
             </a:pPr>
             <a:r>
-              <a:rPr lang="en-CA" dirty="0" smtClean="0"/>
+              <a:rPr lang="en-CA" dirty="0"/>
               <a:t>Consultation with ‘the group’ reveals that the foremost concern relates to the use of CPUE indices that may be </a:t>
             </a:r>
             <a:r>
-              <a:rPr lang="en-CA" dirty="0" err="1" smtClean="0"/>
+              <a:rPr lang="en-CA" dirty="0" err="1"/>
               <a:t>hyperstable</a:t>
             </a:r>
             <a:r>
-              <a:rPr lang="en-CA" dirty="0" smtClean="0"/>
+              <a:rPr lang="en-CA" dirty="0"/>
               <a:t> (i.e. that stay stable as the population declines). </a:t>
             </a:r>
           </a:p>
@@ -12131,10 +11938,9 @@
               <a:buNone/>
             </a:pPr>
             <a:r>
-              <a:rPr lang="en-CA" dirty="0" smtClean="0"/>
+              <a:rPr lang="en-CA" dirty="0"/>
               <a:t>To address this a robustness set of simulations is specified: </a:t>
             </a:r>
-            <a:endParaRPr lang="en-CA" dirty="0"/>
           </a:p>
         </p:txBody>
       </p:sp>
@@ -12218,7 +12024,7 @@
               </a:lnSpc>
             </a:pPr>
             <a:r>
-              <a:rPr lang="en-CA" sz="2100" b="1" dirty="0" smtClean="0">
+              <a:rPr lang="en-CA" sz="2100" b="1" dirty="0">
                 <a:solidFill>
                   <a:srgbClr val="F6BB00"/>
                 </a:solidFill>
@@ -12233,7 +12039,7 @@
               </a:lnSpc>
             </a:pPr>
             <a:r>
-              <a:rPr lang="en-CA" sz="2100" b="1" dirty="0" smtClean="0">
+              <a:rPr lang="en-CA" sz="2100" b="1" dirty="0">
                 <a:solidFill>
                   <a:srgbClr val="F6BB00"/>
                 </a:solidFill>
@@ -12248,7 +12054,7 @@
               </a:lnSpc>
             </a:pPr>
             <a:r>
-              <a:rPr lang="en-CA" sz="2100" b="1" dirty="0" err="1" smtClean="0">
+              <a:rPr lang="en-CA" sz="2100" b="1" dirty="0" err="1">
                 <a:solidFill>
                   <a:srgbClr val="F6BB00"/>
                 </a:solidFill>
@@ -12256,7 +12062,7 @@
               <a:t>Hyperstable</a:t>
             </a:r>
             <a:r>
-              <a:rPr lang="en-CA" sz="2100" b="1" dirty="0" smtClean="0">
+              <a:rPr lang="en-CA" sz="2100" b="1" dirty="0">
                 <a:solidFill>
                   <a:srgbClr val="F6BB00"/>
                 </a:solidFill>
@@ -12271,7 +12077,7 @@
               </a:lnSpc>
             </a:pPr>
             <a:r>
-              <a:rPr lang="en-CA" sz="2100" b="1" dirty="0" smtClean="0">
+              <a:rPr lang="en-CA" sz="2100" b="1" dirty="0">
                 <a:solidFill>
                   <a:srgbClr val="F6BB00"/>
                 </a:solidFill>
@@ -12286,7 +12092,7 @@
               </a:lnSpc>
             </a:pPr>
             <a:r>
-              <a:rPr lang="en-CA" sz="2100" b="1" dirty="0" smtClean="0">
+              <a:rPr lang="en-CA" sz="2100" b="1" dirty="0">
                 <a:solidFill>
                   <a:srgbClr val="F6BB00"/>
                 </a:solidFill>
@@ -12301,7 +12107,7 @@
               </a:lnSpc>
             </a:pPr>
             <a:r>
-              <a:rPr lang="en-CA" sz="2100" b="1" dirty="0" smtClean="0">
+              <a:rPr lang="en-CA" sz="2100" b="1" dirty="0">
                 <a:solidFill>
                   <a:srgbClr val="F6BB00"/>
                 </a:solidFill>
@@ -12316,18 +12122,13 @@
               </a:lnSpc>
             </a:pPr>
             <a:r>
-              <a:rPr lang="en-CA" sz="2100" b="1" dirty="0" smtClean="0">
+              <a:rPr lang="en-CA" sz="2100" b="1" dirty="0">
                 <a:solidFill>
                   <a:srgbClr val="F6BB00"/>
                 </a:solidFill>
               </a:rPr>
               <a:t>Plot results</a:t>
             </a:r>
-            <a:endParaRPr lang="en-CA" sz="2100" b="1" dirty="0">
-              <a:solidFill>
-                <a:srgbClr val="F6BB00"/>
-              </a:solidFill>
-            </a:endParaRPr>
           </a:p>
         </p:txBody>
       </p:sp>
@@ -12892,10 +12693,9 @@
           <a:lstStyle/>
           <a:p>
             <a:r>
-              <a:rPr lang="en-CA" dirty="0" smtClean="0"/>
+              <a:rPr lang="en-CA" dirty="0"/>
               <a:t>Hyper stability </a:t>
             </a:r>
-            <a:endParaRPr lang="en-CA" dirty="0"/>
           </a:p>
         </p:txBody>
       </p:sp>
@@ -13246,10 +13046,9 @@
           <a:lstStyle/>
           <a:p>
             <a:r>
-              <a:rPr lang="en-CA" dirty="0" smtClean="0"/>
+              <a:rPr lang="en-CA" dirty="0"/>
               <a:t>Robustness results</a:t>
             </a:r>
-            <a:endParaRPr lang="en-CA" dirty="0"/>
           </a:p>
         </p:txBody>
       </p:sp>
@@ -13474,7 +13273,7 @@
           <a:lstStyle/>
           <a:p>
             <a:r>
-              <a:rPr lang="en-CA" sz="2200" dirty="0" smtClean="0">
+              <a:rPr lang="en-CA" sz="2200" dirty="0">
                 <a:solidFill>
                   <a:srgbClr val="126D96"/>
                 </a:solidFill>
@@ -13482,7 +13281,7 @@
               <a:t>Only 3 MPs survived robustness testing according to original satisficing requirements: </a:t>
             </a:r>
             <a:r>
-              <a:rPr lang="en-CA" sz="2200" dirty="0" smtClean="0">
+              <a:rPr lang="en-CA" sz="2200" dirty="0">
                 <a:solidFill>
                   <a:srgbClr val="FF0000"/>
                 </a:solidFill>
@@ -13490,7 +13289,7 @@
               <a:t>Itarget1</a:t>
             </a:r>
             <a:r>
-              <a:rPr lang="en-CA" sz="2200" dirty="0" smtClean="0">
+              <a:rPr lang="en-CA" sz="2200" dirty="0">
                 <a:solidFill>
                   <a:srgbClr val="126D96"/>
                 </a:solidFill>
@@ -13498,7 +13297,7 @@
               <a:t>, </a:t>
             </a:r>
             <a:r>
-              <a:rPr lang="en-CA" sz="2200" dirty="0" smtClean="0">
+              <a:rPr lang="en-CA" sz="2200" dirty="0">
                 <a:solidFill>
                   <a:srgbClr val="00B050"/>
                 </a:solidFill>
@@ -13506,7 +13305,7 @@
               <a:t>Ltarget1</a:t>
             </a:r>
             <a:r>
-              <a:rPr lang="en-CA" sz="2200" dirty="0" smtClean="0">
+              <a:rPr lang="en-CA" sz="2200" dirty="0">
                 <a:solidFill>
                   <a:srgbClr val="126D96"/>
                 </a:solidFill>
@@ -13514,7 +13313,7 @@
               <a:t> and </a:t>
             </a:r>
             <a:r>
-              <a:rPr lang="en-CA" sz="2200" dirty="0" err="1" smtClean="0">
+              <a:rPr lang="en-CA" sz="2200" dirty="0" err="1">
                 <a:solidFill>
                   <a:srgbClr val="FF0000"/>
                 </a:solidFill>
@@ -13522,18 +13321,13 @@
               <a:t>DepF</a:t>
             </a:r>
             <a:r>
-              <a:rPr lang="en-CA" sz="2200" dirty="0" smtClean="0">
+              <a:rPr lang="en-CA" sz="2200" dirty="0">
                 <a:solidFill>
                   <a:srgbClr val="126D96"/>
                 </a:solidFill>
               </a:rPr>
               <a:t>. </a:t>
             </a:r>
-            <a:endParaRPr lang="en-CA" sz="2200" dirty="0">
-              <a:solidFill>
-                <a:srgbClr val="126D96"/>
-              </a:solidFill>
-            </a:endParaRPr>
           </a:p>
         </p:txBody>
       </p:sp>
